--- a/CadenaMontaje/DJAMBA.pptx
+++ b/CadenaMontaje/DJAMBA.pptx
@@ -417,7 +417,7 @@
           <a:p>
             <a:fld id="{67425485-A919-473F-B788-CF0FF356F602}" type="datetimeFigureOut">
               <a:rPr lang="es-ES" smtClean="0"/>
-              <a:t>24/03/2015</a:t>
+              <a:t>25/03/2015</a:t>
             </a:fld>
             <a:endParaRPr lang="es-ES"/>
           </a:p>
@@ -602,7 +602,7 @@
           <a:p>
             <a:fld id="{67425485-A919-473F-B788-CF0FF356F602}" type="datetimeFigureOut">
               <a:rPr lang="es-ES" smtClean="0"/>
-              <a:t>24/03/2015</a:t>
+              <a:t>25/03/2015</a:t>
             </a:fld>
             <a:endParaRPr lang="es-ES"/>
           </a:p>
@@ -787,7 +787,7 @@
           <a:p>
             <a:fld id="{67425485-A919-473F-B788-CF0FF356F602}" type="datetimeFigureOut">
               <a:rPr lang="es-ES" smtClean="0"/>
-              <a:t>24/03/2015</a:t>
+              <a:t>25/03/2015</a:t>
             </a:fld>
             <a:endParaRPr lang="es-ES"/>
           </a:p>
@@ -972,7 +972,7 @@
           <a:p>
             <a:fld id="{67425485-A919-473F-B788-CF0FF356F602}" type="datetimeFigureOut">
               <a:rPr lang="es-ES" smtClean="0"/>
-              <a:t>24/03/2015</a:t>
+              <a:t>25/03/2015</a:t>
             </a:fld>
             <a:endParaRPr lang="es-ES"/>
           </a:p>
@@ -1353,7 +1353,7 @@
           <a:p>
             <a:fld id="{67425485-A919-473F-B788-CF0FF356F602}" type="datetimeFigureOut">
               <a:rPr lang="es-ES" smtClean="0"/>
-              <a:t>24/03/2015</a:t>
+              <a:t>25/03/2015</a:t>
             </a:fld>
             <a:endParaRPr lang="es-ES"/>
           </a:p>
@@ -1622,7 +1622,7 @@
           <a:p>
             <a:fld id="{67425485-A919-473F-B788-CF0FF356F602}" type="datetimeFigureOut">
               <a:rPr lang="es-ES" smtClean="0"/>
-              <a:t>24/03/2015</a:t>
+              <a:t>25/03/2015</a:t>
             </a:fld>
             <a:endParaRPr lang="es-ES"/>
           </a:p>
@@ -2007,7 +2007,7 @@
           <a:p>
             <a:fld id="{67425485-A919-473F-B788-CF0FF356F602}" type="datetimeFigureOut">
               <a:rPr lang="es-ES" smtClean="0"/>
-              <a:t>24/03/2015</a:t>
+              <a:t>25/03/2015</a:t>
             </a:fld>
             <a:endParaRPr lang="es-ES"/>
           </a:p>
@@ -2128,7 +2128,7 @@
           <a:p>
             <a:fld id="{67425485-A919-473F-B788-CF0FF356F602}" type="datetimeFigureOut">
               <a:rPr lang="es-ES" smtClean="0"/>
-              <a:t>24/03/2015</a:t>
+              <a:t>25/03/2015</a:t>
             </a:fld>
             <a:endParaRPr lang="es-ES"/>
           </a:p>
@@ -2308,7 +2308,7 @@
           <a:p>
             <a:fld id="{67425485-A919-473F-B788-CF0FF356F602}" type="datetimeFigureOut">
               <a:rPr lang="es-ES" smtClean="0"/>
-              <a:t>24/03/2015</a:t>
+              <a:t>25/03/2015</a:t>
             </a:fld>
             <a:endParaRPr lang="es-ES"/>
           </a:p>
@@ -2642,7 +2642,7 @@
           <a:p>
             <a:fld id="{67425485-A919-473F-B788-CF0FF356F602}" type="datetimeFigureOut">
               <a:rPr lang="es-ES" smtClean="0"/>
-              <a:t>24/03/2015</a:t>
+              <a:t>25/03/2015</a:t>
             </a:fld>
             <a:endParaRPr lang="es-ES"/>
           </a:p>
@@ -3011,7 +3011,7 @@
           <a:p>
             <a:fld id="{67425485-A919-473F-B788-CF0FF356F602}" type="datetimeFigureOut">
               <a:rPr lang="es-ES" smtClean="0"/>
-              <a:t>24/03/2015</a:t>
+              <a:t>25/03/2015</a:t>
             </a:fld>
             <a:endParaRPr lang="es-ES"/>
           </a:p>
@@ -3429,7 +3429,7 @@
           <a:p>
             <a:fld id="{67425485-A919-473F-B788-CF0FF356F602}" type="datetimeFigureOut">
               <a:rPr lang="es-ES" smtClean="0"/>
-              <a:t>24/03/2015</a:t>
+              <a:t>25/03/2015</a:t>
             </a:fld>
             <a:endParaRPr lang="es-ES"/>
           </a:p>
@@ -3913,7 +3913,7 @@
                   </a:outerShdw>
                 </a:effectLst>
               </a:rPr>
-              <a:t>DJAMBA</a:t>
+              <a:t>DJAMBA WORKS</a:t>
             </a:r>
             <a:endParaRPr lang="es-ES" dirty="0"/>
           </a:p>
@@ -4013,13 +4013,13 @@
   <p:clrMapOvr>
     <a:masterClrMapping/>
   </p:clrMapOvr>
-  <mc:AlternateContent xmlns:mc="http://schemas.openxmlformats.org/markup-compatibility/2006">
-    <mc:Choice xmlns:p14="http://schemas.microsoft.com/office/powerpoint/2010/main" Requires="p14">
+  <mc:AlternateContent xmlns:mc="http://schemas.openxmlformats.org/markup-compatibility/2006" xmlns:p14="http://schemas.microsoft.com/office/powerpoint/2010/main">
+    <mc:Choice Requires="p14">
       <p:transition spd="slow" p14:dur="3400">
         <p14:reveal/>
       </p:transition>
     </mc:Choice>
-    <mc:Fallback>
+    <mc:Fallback xmlns="">
       <p:transition spd="slow">
         <p:fade/>
       </p:transition>
@@ -4108,13 +4108,21 @@
           <a:p>
             <a:r>
               <a:rPr lang="es-ES" dirty="0" smtClean="0"/>
-              <a:t>Diagramas de clase</a:t>
-            </a:r>
-          </a:p>
-          <a:p>
+              <a:t>Diagrama </a:t>
+            </a:r>
             <a:r>
               <a:rPr lang="es-ES" dirty="0" smtClean="0"/>
-              <a:t>Diagramas de secuencia</a:t>
+              <a:t>de clase</a:t>
+            </a:r>
+          </a:p>
+          <a:p>
+            <a:r>
+              <a:rPr lang="es-ES" dirty="0" smtClean="0"/>
+              <a:t>Diagrama </a:t>
+            </a:r>
+            <a:r>
+              <a:rPr lang="es-ES" dirty="0" smtClean="0"/>
+              <a:t>de secuencia</a:t>
             </a:r>
           </a:p>
           <a:p>
@@ -4291,39 +4299,45 @@
           <a:p>
             <a:r>
               <a:rPr lang="es-ES" dirty="0" smtClean="0"/>
-              <a:t>Diagramas de clase:</a:t>
+              <a:t>Diagrama </a:t>
+            </a:r>
+            <a:r>
+              <a:rPr lang="es-ES" dirty="0" smtClean="0"/>
+              <a:t>de clase:</a:t>
             </a:r>
             <a:endParaRPr lang="es-ES" dirty="0"/>
           </a:p>
         </p:txBody>
       </p:sp>
-      <p:sp>
-        <p:nvSpPr>
-          <p:cNvPr id="3" name="2 Marcador de contenido"/>
-          <p:cNvSpPr>
-            <a:spLocks noGrp="1"/>
-          </p:cNvSpPr>
+      <p:pic>
+        <p:nvPicPr>
+          <p:cNvPr id="4" name="3 Marcador de contenido"/>
+          <p:cNvPicPr>
+            <a:picLocks noGrp="1" noChangeAspect="1"/>
+          </p:cNvPicPr>
           <p:nvPr>
             <p:ph idx="1"/>
           </p:nvPr>
-        </p:nvSpPr>
+        </p:nvPicPr>
+        <p:blipFill>
+          <a:blip r:embed="rId2">
+            <a:extLst>
+              <a:ext uri="{28A0092B-C50C-407E-A947-70E740481C1C}">
+                <a14:useLocalDpi xmlns:a14="http://schemas.microsoft.com/office/drawing/2010/main" val="0"/>
+              </a:ext>
+            </a:extLst>
+          </a:blip>
+          <a:stretch>
+            <a:fillRect/>
+          </a:stretch>
+        </p:blipFill>
         <p:spPr>
           <a:xfrm>
-            <a:off x="467544" y="1844824"/>
-            <a:ext cx="8183880" cy="4187952"/>
+            <a:off x="468313" y="1988840"/>
+            <a:ext cx="8183562" cy="3888432"/>
           </a:xfrm>
         </p:spPr>
-        <p:txBody>
-          <a:bodyPr/>
-          <a:lstStyle/>
-          <a:p>
-            <a:pPr marL="0" indent="0" algn="just">
-              <a:buNone/>
-            </a:pPr>
-            <a:endParaRPr lang="es-ES" dirty="0"/>
-          </a:p>
-        </p:txBody>
-      </p:sp>
+      </p:pic>
     </p:spTree>
     <p:extLst>
       <p:ext uri="{BB962C8B-B14F-4D97-AF65-F5344CB8AC3E}">
@@ -4386,39 +4400,45 @@
           <a:p>
             <a:r>
               <a:rPr lang="es-ES" dirty="0" smtClean="0"/>
-              <a:t>Diagramas de secuencia:</a:t>
+              <a:t>Diagrama </a:t>
+            </a:r>
+            <a:r>
+              <a:rPr lang="es-ES" dirty="0" smtClean="0"/>
+              <a:t>de secuencia:</a:t>
             </a:r>
             <a:endParaRPr lang="es-ES" dirty="0"/>
           </a:p>
         </p:txBody>
       </p:sp>
-      <p:sp>
-        <p:nvSpPr>
-          <p:cNvPr id="3" name="2 Marcador de contenido"/>
-          <p:cNvSpPr>
-            <a:spLocks noGrp="1"/>
-          </p:cNvSpPr>
+      <p:pic>
+        <p:nvPicPr>
+          <p:cNvPr id="5" name="4 Marcador de contenido"/>
+          <p:cNvPicPr>
+            <a:picLocks noGrp="1" noChangeAspect="1"/>
+          </p:cNvPicPr>
           <p:nvPr>
             <p:ph idx="1"/>
           </p:nvPr>
-        </p:nvSpPr>
+        </p:nvPicPr>
+        <p:blipFill>
+          <a:blip r:embed="rId2">
+            <a:extLst>
+              <a:ext uri="{28A0092B-C50C-407E-A947-70E740481C1C}">
+                <a14:useLocalDpi xmlns:a14="http://schemas.microsoft.com/office/drawing/2010/main" val="0"/>
+              </a:ext>
+            </a:extLst>
+          </a:blip>
+          <a:stretch>
+            <a:fillRect/>
+          </a:stretch>
+        </p:blipFill>
         <p:spPr>
           <a:xfrm>
-            <a:off x="467544" y="1844824"/>
-            <a:ext cx="8183880" cy="4187952"/>
+            <a:off x="468313" y="2132856"/>
+            <a:ext cx="8183562" cy="3672408"/>
           </a:xfrm>
         </p:spPr>
-        <p:txBody>
-          <a:bodyPr/>
-          <a:lstStyle/>
-          <a:p>
-            <a:pPr marL="0" indent="0" algn="just">
-              <a:buNone/>
-            </a:pPr>
-            <a:endParaRPr lang="es-ES" dirty="0"/>
-          </a:p>
-        </p:txBody>
-      </p:sp>
+      </p:pic>
     </p:spTree>
     <p:extLst>
       <p:ext uri="{BB962C8B-B14F-4D97-AF65-F5344CB8AC3E}">
